--- a/Other/Free/Kiến thức mô hình client - server.pptx
+++ b/Other/Free/Kiến thức mô hình client - server.pptx
@@ -3293,6 +3293,47 @@
           </a:extLst>
         </p:spPr>
       </p:pic>
+      <p:pic>
+        <p:nvPicPr>
+          <p:cNvPr id="4" name="Picture 2" descr="Káº¿t quáº£ hÃ¬nh áº£nh cho Q &amp; A"/>
+          <p:cNvPicPr>
+            <a:picLocks noChangeAspect="1" noChangeArrowheads="1"/>
+          </p:cNvPicPr>
+          <p:nvPr/>
+        </p:nvPicPr>
+        <p:blipFill>
+          <a:blip r:embed="rId2">
+            <a:extLst>
+              <a:ext uri="{28A0092B-C50C-407E-A947-70E740481C1C}">
+                <a14:useLocalDpi xmlns:a14="http://schemas.microsoft.com/office/drawing/2010/main" val="0"/>
+              </a:ext>
+            </a:extLst>
+          </a:blip>
+          <a:srcRect/>
+          <a:stretch>
+            <a:fillRect/>
+          </a:stretch>
+        </p:blipFill>
+        <p:spPr bwMode="auto">
+          <a:xfrm>
+            <a:off x="1981200" y="2286000"/>
+            <a:ext cx="5715000" cy="2800351"/>
+          </a:xfrm>
+          <a:prstGeom prst="rect">
+            <a:avLst/>
+          </a:prstGeom>
+          <a:noFill/>
+          <a:extLst>
+            <a:ext uri="{909E8E84-426E-40DD-AFC4-6F175D3DCCD1}">
+              <a14:hiddenFill xmlns:a14="http://schemas.microsoft.com/office/drawing/2010/main">
+                <a:solidFill>
+                  <a:srgbClr val="FFFFFF"/>
+                </a:solidFill>
+              </a14:hiddenFill>
+            </a:ext>
+          </a:extLst>
+        </p:spPr>
+      </p:pic>
     </p:spTree>
     <p:extLst>
       <p:ext uri="{BB962C8B-B14F-4D97-AF65-F5344CB8AC3E}">
@@ -4124,44 +4165,6 @@
           <a:chExt cx="0" cy="0"/>
         </a:xfrm>
       </p:grpSpPr>
-      <p:sp>
-        <p:nvSpPr>
-          <p:cNvPr id="21" name="Rectangle 20"/>
-          <p:cNvSpPr/>
-          <p:nvPr/>
-        </p:nvSpPr>
-        <p:spPr>
-          <a:xfrm>
-            <a:off x="3675558" y="3962400"/>
-            <a:ext cx="4683750" cy="2362200"/>
-          </a:xfrm>
-          <a:prstGeom prst="rect">
-            <a:avLst/>
-          </a:prstGeom>
-        </p:spPr>
-        <p:style>
-          <a:lnRef idx="2">
-            <a:schemeClr val="accent3"/>
-          </a:lnRef>
-          <a:fillRef idx="1">
-            <a:schemeClr val="lt1"/>
-          </a:fillRef>
-          <a:effectRef idx="0">
-            <a:schemeClr val="accent3"/>
-          </a:effectRef>
-          <a:fontRef idx="minor">
-            <a:schemeClr val="dk1"/>
-          </a:fontRef>
-        </p:style>
-        <p:txBody>
-          <a:bodyPr rtlCol="0" anchor="ctr"/>
-          <a:lstStyle/>
-          <a:p>
-            <a:pPr algn="ctr"/>
-            <a:endParaRPr lang="en-US"/>
-          </a:p>
-        </p:txBody>
-      </p:sp>
       <p:sp>
         <p:nvSpPr>
           <p:cNvPr id="2" name="Title 1"/>
@@ -5635,87 +5638,6 @@
                                   </p:childTnLst>
                                 </p:cTn>
                               </p:par>
-                              <p:par>
-                                <p:cTn id="53" presetID="42" presetClass="entr" presetSubtype="0" fill="hold" grpId="0" nodeType="withEffect">
-                                  <p:stCondLst>
-                                    <p:cond delay="0"/>
-                                  </p:stCondLst>
-                                  <p:childTnLst>
-                                    <p:set>
-                                      <p:cBhvr>
-                                        <p:cTn id="54" dur="1" fill="hold">
-                                          <p:stCondLst>
-                                            <p:cond delay="0"/>
-                                          </p:stCondLst>
-                                        </p:cTn>
-                                        <p:tgtEl>
-                                          <p:spTgt spid="21"/>
-                                        </p:tgtEl>
-                                        <p:attrNameLst>
-                                          <p:attrName>style.visibility</p:attrName>
-                                        </p:attrNameLst>
-                                      </p:cBhvr>
-                                      <p:to>
-                                        <p:strVal val="visible"/>
-                                      </p:to>
-                                    </p:set>
-                                    <p:animEffect transition="in" filter="fade">
-                                      <p:cBhvr>
-                                        <p:cTn id="55" dur="1000"/>
-                                        <p:tgtEl>
-                                          <p:spTgt spid="21"/>
-                                        </p:tgtEl>
-                                      </p:cBhvr>
-                                    </p:animEffect>
-                                    <p:anim calcmode="lin" valueType="num">
-                                      <p:cBhvr>
-                                        <p:cTn id="56" dur="1000" fill="hold"/>
-                                        <p:tgtEl>
-                                          <p:spTgt spid="21"/>
-                                        </p:tgtEl>
-                                        <p:attrNameLst>
-                                          <p:attrName>ppt_x</p:attrName>
-                                        </p:attrNameLst>
-                                      </p:cBhvr>
-                                      <p:tavLst>
-                                        <p:tav tm="0">
-                                          <p:val>
-                                            <p:strVal val="#ppt_x"/>
-                                          </p:val>
-                                        </p:tav>
-                                        <p:tav tm="100000">
-                                          <p:val>
-                                            <p:strVal val="#ppt_x"/>
-                                          </p:val>
-                                        </p:tav>
-                                      </p:tavLst>
-                                    </p:anim>
-                                    <p:anim calcmode="lin" valueType="num">
-                                      <p:cBhvr>
-                                        <p:cTn id="57" dur="1000" fill="hold"/>
-                                        <p:tgtEl>
-                                          <p:spTgt spid="21"/>
-                                        </p:tgtEl>
-                                        <p:attrNameLst>
-                                          <p:attrName>ppt_y</p:attrName>
-                                        </p:attrNameLst>
-                                      </p:cBhvr>
-                                      <p:tavLst>
-                                        <p:tav tm="0">
-                                          <p:val>
-                                            <p:strVal val="#ppt_y+.1"/>
-                                          </p:val>
-                                        </p:tav>
-                                        <p:tav tm="100000">
-                                          <p:val>
-                                            <p:strVal val="#ppt_y"/>
-                                          </p:val>
-                                        </p:tav>
-                                      </p:tavLst>
-                                    </p:anim>
-                                  </p:childTnLst>
-                                </p:cTn>
-                              </p:par>
                             </p:childTnLst>
                           </p:cTn>
                         </p:par>
@@ -5744,7 +5666,6 @@
       </p:par>
     </p:tnLst>
     <p:bldLst>
-      <p:bldP spid="21" grpId="0" animBg="1"/>
       <p:bldP spid="7" grpId="0"/>
       <p:bldP spid="22" grpId="0" animBg="1"/>
       <p:bldP spid="23" grpId="0" animBg="1"/>
